--- a/flutter企画書.pptx
+++ b/flutter企画書.pptx
@@ -106,6 +106,11 @@
       </a:defRPr>
     </a:lvl9pPr>
   </p:defaultTextStyle>
+  <p:extLst>
+    <p:ext uri="{EFAFB233-063F-42B5-8137-9DF3F51BA10A}">
+      <p15:sldGuideLst xmlns:p15="http://schemas.microsoft.com/office/powerpoint/2012/main"/>
+    </p:ext>
+  </p:extLst>
 </p:presentation>
 </file>
 
@@ -256,7 +261,7 @@
           <a:p>
             <a:fld id="{FA2960F8-3EAD-44E1-B456-5AD0EC93D37D}" type="datetimeFigureOut">
               <a:rPr kumimoji="1" lang="ja-JP" altLang="en-US" smtClean="0"/>
-              <a:t>2025/11/26</a:t>
+              <a:t>2026/1/14</a:t>
             </a:fld>
             <a:endParaRPr kumimoji="1" lang="ja-JP" altLang="en-US"/>
           </a:p>
@@ -486,7 +491,7 @@
           <a:p>
             <a:fld id="{FA2960F8-3EAD-44E1-B456-5AD0EC93D37D}" type="datetimeFigureOut">
               <a:rPr kumimoji="1" lang="ja-JP" altLang="en-US" smtClean="0"/>
-              <a:t>2025/11/26</a:t>
+              <a:t>2026/1/14</a:t>
             </a:fld>
             <a:endParaRPr kumimoji="1" lang="ja-JP" altLang="en-US"/>
           </a:p>
@@ -726,7 +731,7 @@
           <a:p>
             <a:fld id="{FA2960F8-3EAD-44E1-B456-5AD0EC93D37D}" type="datetimeFigureOut">
               <a:rPr kumimoji="1" lang="ja-JP" altLang="en-US" smtClean="0"/>
-              <a:t>2025/11/26</a:t>
+              <a:t>2026/1/14</a:t>
             </a:fld>
             <a:endParaRPr kumimoji="1" lang="ja-JP" altLang="en-US"/>
           </a:p>
@@ -956,7 +961,7 @@
           <a:p>
             <a:fld id="{FA2960F8-3EAD-44E1-B456-5AD0EC93D37D}" type="datetimeFigureOut">
               <a:rPr kumimoji="1" lang="ja-JP" altLang="en-US" smtClean="0"/>
-              <a:t>2025/11/26</a:t>
+              <a:t>2026/1/14</a:t>
             </a:fld>
             <a:endParaRPr kumimoji="1" lang="ja-JP" altLang="en-US"/>
           </a:p>
@@ -1231,7 +1236,7 @@
           <a:p>
             <a:fld id="{FA2960F8-3EAD-44E1-B456-5AD0EC93D37D}" type="datetimeFigureOut">
               <a:rPr kumimoji="1" lang="ja-JP" altLang="en-US" smtClean="0"/>
-              <a:t>2025/11/26</a:t>
+              <a:t>2026/1/14</a:t>
             </a:fld>
             <a:endParaRPr kumimoji="1" lang="ja-JP" altLang="en-US"/>
           </a:p>
@@ -1560,7 +1565,7 @@
           <a:p>
             <a:fld id="{FA2960F8-3EAD-44E1-B456-5AD0EC93D37D}" type="datetimeFigureOut">
               <a:rPr kumimoji="1" lang="ja-JP" altLang="en-US" smtClean="0"/>
-              <a:t>2025/11/26</a:t>
+              <a:t>2026/1/14</a:t>
             </a:fld>
             <a:endParaRPr kumimoji="1" lang="ja-JP" altLang="en-US"/>
           </a:p>
@@ -2036,7 +2041,7 @@
           <a:p>
             <a:fld id="{FA2960F8-3EAD-44E1-B456-5AD0EC93D37D}" type="datetimeFigureOut">
               <a:rPr kumimoji="1" lang="ja-JP" altLang="en-US" smtClean="0"/>
-              <a:t>2025/11/26</a:t>
+              <a:t>2026/1/14</a:t>
             </a:fld>
             <a:endParaRPr kumimoji="1" lang="ja-JP" altLang="en-US"/>
           </a:p>
@@ -2177,7 +2182,7 @@
           <a:p>
             <a:fld id="{FA2960F8-3EAD-44E1-B456-5AD0EC93D37D}" type="datetimeFigureOut">
               <a:rPr kumimoji="1" lang="ja-JP" altLang="en-US" smtClean="0"/>
-              <a:t>2025/11/26</a:t>
+              <a:t>2026/1/14</a:t>
             </a:fld>
             <a:endParaRPr kumimoji="1" lang="ja-JP" altLang="en-US"/>
           </a:p>
@@ -2290,7 +2295,7 @@
           <a:p>
             <a:fld id="{FA2960F8-3EAD-44E1-B456-5AD0EC93D37D}" type="datetimeFigureOut">
               <a:rPr kumimoji="1" lang="ja-JP" altLang="en-US" smtClean="0"/>
-              <a:t>2025/11/26</a:t>
+              <a:t>2026/1/14</a:t>
             </a:fld>
             <a:endParaRPr kumimoji="1" lang="ja-JP" altLang="en-US"/>
           </a:p>
@@ -2633,7 +2638,7 @@
           <a:p>
             <a:fld id="{FA2960F8-3EAD-44E1-B456-5AD0EC93D37D}" type="datetimeFigureOut">
               <a:rPr kumimoji="1" lang="ja-JP" altLang="en-US" smtClean="0"/>
-              <a:t>2025/11/26</a:t>
+              <a:t>2026/1/14</a:t>
             </a:fld>
             <a:endParaRPr kumimoji="1" lang="ja-JP" altLang="en-US"/>
           </a:p>
@@ -2921,7 +2926,7 @@
           <a:p>
             <a:fld id="{FA2960F8-3EAD-44E1-B456-5AD0EC93D37D}" type="datetimeFigureOut">
               <a:rPr kumimoji="1" lang="ja-JP" altLang="en-US" smtClean="0"/>
-              <a:t>2025/11/26</a:t>
+              <a:t>2026/1/14</a:t>
             </a:fld>
             <a:endParaRPr kumimoji="1" lang="ja-JP" altLang="en-US"/>
           </a:p>
@@ -3194,7 +3199,7 @@
           <a:p>
             <a:fld id="{FA2960F8-3EAD-44E1-B456-5AD0EC93D37D}" type="datetimeFigureOut">
               <a:rPr kumimoji="1" lang="ja-JP" altLang="en-US" smtClean="0"/>
-              <a:t>2025/11/26</a:t>
+              <a:t>2026/1/14</a:t>
             </a:fld>
             <a:endParaRPr kumimoji="1" lang="ja-JP" altLang="en-US"/>
           </a:p>
@@ -3738,7 +3743,15 @@
             </a:r>
             <a:r>
               <a:rPr lang="ja-JP" altLang="en-US" dirty="0"/>
-              <a:t>「食費」「交通費」「日用品」「交際費」「その他」のみ</a:t>
+              <a:t>「食費」「交通費」「日</a:t>
+            </a:r>
+            <a:r>
+              <a:rPr lang="ja-JP" altLang="en-US"/>
+              <a:t>用品」「</a:t>
+            </a:r>
+            <a:r>
+              <a:rPr lang="ja-JP" altLang="en-US" dirty="0"/>
+              <a:t>その他」のみ</a:t>
             </a:r>
             <a:br>
               <a:rPr lang="en-US" altLang="ja-JP" dirty="0"/>
@@ -4273,6 +4286,23 @@
 </file>
 
 <file path=customXml/item1.xml><?xml version="1.0" encoding="utf-8"?>
+<p:properties xmlns:p="http://schemas.microsoft.com/office/2006/metadata/properties" xmlns:xsi="http://www.w3.org/2001/XMLSchema-instance" xmlns:pc="http://schemas.microsoft.com/office/infopath/2007/PartnerControls">
+  <documentManagement>
+    <_activity xmlns="b905fe17-d65b-40a4-b68e-9ee8fe11f43a" xsi:nil="true"/>
+  </documentManagement>
+</p:properties>
+</file>
+
+<file path=customXml/item2.xml><?xml version="1.0" encoding="utf-8"?>
+<?mso-contentType ?>
+<FormTemplates xmlns="http://schemas.microsoft.com/sharepoint/v3/contenttype/forms">
+  <Display>DocumentLibraryForm</Display>
+  <Edit>DocumentLibraryForm</Edit>
+  <New>DocumentLibraryForm</New>
+</FormTemplates>
+</file>
+
+<file path=customXml/item3.xml><?xml version="1.0" encoding="utf-8"?>
 <ct:contentTypeSchema xmlns:ct="http://schemas.microsoft.com/office/2006/metadata/contentType" xmlns:ma="http://schemas.microsoft.com/office/2006/metadata/properties/metaAttributes" ct:_="" ma:_="" ma:contentTypeName="ドキュメント" ma:contentTypeID="0x010100167FEDDC9DC97440BA0F6A48ADFE26B5" ma:contentTypeVersion="12" ma:contentTypeDescription="新しいドキュメントを作成します。" ma:contentTypeScope="" ma:versionID="1212ab31dd5cc219b943635f3a405c01">
   <xsd:schema xmlns:xsd="http://www.w3.org/2001/XMLSchema" xmlns:xs="http://www.w3.org/2001/XMLSchema" xmlns:p="http://schemas.microsoft.com/office/2006/metadata/properties" xmlns:ns3="1f4001e7-082c-414c-8403-86384946270a" xmlns:ns4="b905fe17-d65b-40a4-b68e-9ee8fe11f43a" targetNamespace="http://schemas.microsoft.com/office/2006/metadata/properties" ma:root="true" ma:fieldsID="a093f558171da434179e518f377dda28" ns3:_="" ns4:_="">
     <xsd:import namespace="1f4001e7-082c-414c-8403-86384946270a"/>
@@ -4485,24 +4515,32 @@
 </ct:contentTypeSchema>
 </file>
 
-<file path=customXml/item2.xml><?xml version="1.0" encoding="utf-8"?>
-<?mso-contentType ?>
-<FormTemplates xmlns="http://schemas.microsoft.com/sharepoint/v3/contenttype/forms">
-  <Display>DocumentLibraryForm</Display>
-  <Edit>DocumentLibraryForm</Edit>
-  <New>DocumentLibraryForm</New>
-</FormTemplates>
+<file path=customXml/itemProps1.xml><?xml version="1.0" encoding="utf-8"?>
+<ds:datastoreItem xmlns:ds="http://schemas.openxmlformats.org/officeDocument/2006/customXml" ds:itemID="{BDA9D2AB-C55D-4438-BBDA-46F0B35A0F18}">
+  <ds:schemaRefs>
+    <ds:schemaRef ds:uri="http://purl.org/dc/terms/"/>
+    <ds:schemaRef ds:uri="http://purl.org/dc/elements/1.1/"/>
+    <ds:schemaRef ds:uri="1f4001e7-082c-414c-8403-86384946270a"/>
+    <ds:schemaRef ds:uri="http://schemas.microsoft.com/office/2006/documentManagement/types"/>
+    <ds:schemaRef ds:uri="http://purl.org/dc/dcmitype/"/>
+    <ds:schemaRef ds:uri="http://schemas.microsoft.com/office/2006/metadata/properties"/>
+    <ds:schemaRef ds:uri="http://www.w3.org/XML/1998/namespace"/>
+    <ds:schemaRef ds:uri="http://schemas.microsoft.com/office/infopath/2007/PartnerControls"/>
+    <ds:schemaRef ds:uri="http://schemas.openxmlformats.org/package/2006/metadata/core-properties"/>
+    <ds:schemaRef ds:uri="b905fe17-d65b-40a4-b68e-9ee8fe11f43a"/>
+  </ds:schemaRefs>
+</ds:datastoreItem>
 </file>
 
-<file path=customXml/item3.xml><?xml version="1.0" encoding="utf-8"?>
-<p:properties xmlns:p="http://schemas.microsoft.com/office/2006/metadata/properties" xmlns:xsi="http://www.w3.org/2001/XMLSchema-instance" xmlns:pc="http://schemas.microsoft.com/office/infopath/2007/PartnerControls">
-  <documentManagement>
-    <_activity xmlns="b905fe17-d65b-40a4-b68e-9ee8fe11f43a" xsi:nil="true"/>
-  </documentManagement>
-</p:properties>
+<file path=customXml/itemProps2.xml><?xml version="1.0" encoding="utf-8"?>
+<ds:datastoreItem xmlns:ds="http://schemas.openxmlformats.org/officeDocument/2006/customXml" ds:itemID="{A1B86344-5C43-478D-863E-F00551BA0301}">
+  <ds:schemaRefs>
+    <ds:schemaRef ds:uri="http://schemas.microsoft.com/sharepoint/v3/contenttype/forms"/>
+  </ds:schemaRefs>
+</ds:datastoreItem>
 </file>
 
-<file path=customXml/itemProps1.xml><?xml version="1.0" encoding="utf-8"?>
+<file path=customXml/itemProps3.xml><?xml version="1.0" encoding="utf-8"?>
 <ds:datastoreItem xmlns:ds="http://schemas.openxmlformats.org/officeDocument/2006/customXml" ds:itemID="{23DA5655-BD3B-4911-AE1F-0E95819CEEF8}">
   <ds:schemaRefs>
     <ds:schemaRef ds:uri="http://schemas.microsoft.com/office/2006/metadata/contentType"/>
@@ -4519,29 +4557,4 @@
     <ds:schemaRef ds:uri="http://schemas.microsoft.com/internal/obd"/>
   </ds:schemaRefs>
 </ds:datastoreItem>
-</file>
-
-<file path=customXml/itemProps2.xml><?xml version="1.0" encoding="utf-8"?>
-<ds:datastoreItem xmlns:ds="http://schemas.openxmlformats.org/officeDocument/2006/customXml" ds:itemID="{A1B86344-5C43-478D-863E-F00551BA0301}">
-  <ds:schemaRefs>
-    <ds:schemaRef ds:uri="http://schemas.microsoft.com/sharepoint/v3/contenttype/forms"/>
-  </ds:schemaRefs>
-</ds:datastoreItem>
-</file>
-
-<file path=customXml/itemProps3.xml><?xml version="1.0" encoding="utf-8"?>
-<ds:datastoreItem xmlns:ds="http://schemas.openxmlformats.org/officeDocument/2006/customXml" ds:itemID="{BDA9D2AB-C55D-4438-BBDA-46F0B35A0F18}">
-  <ds:schemaRefs>
-    <ds:schemaRef ds:uri="http://purl.org/dc/terms/"/>
-    <ds:schemaRef ds:uri="http://purl.org/dc/elements/1.1/"/>
-    <ds:schemaRef ds:uri="1f4001e7-082c-414c-8403-86384946270a"/>
-    <ds:schemaRef ds:uri="http://schemas.microsoft.com/office/2006/documentManagement/types"/>
-    <ds:schemaRef ds:uri="http://purl.org/dc/dcmitype/"/>
-    <ds:schemaRef ds:uri="http://schemas.microsoft.com/office/2006/metadata/properties"/>
-    <ds:schemaRef ds:uri="http://www.w3.org/XML/1998/namespace"/>
-    <ds:schemaRef ds:uri="http://schemas.microsoft.com/office/infopath/2007/PartnerControls"/>
-    <ds:schemaRef ds:uri="http://schemas.openxmlformats.org/package/2006/metadata/core-properties"/>
-    <ds:schemaRef ds:uri="b905fe17-d65b-40a4-b68e-9ee8fe11f43a"/>
-  </ds:schemaRefs>
-</ds:datastoreItem>
 </file>